--- a/Case_Study_PPT_Final.pptx
+++ b/Case_Study_PPT_Final.pptx
@@ -2928,7 +2928,7 @@
         <p:spPr>
           <a:xfrm>
             <a:off x="4980562" y="4657611"/>
-            <a:ext cx="6656485" cy="666977"/>
+            <a:ext cx="6656485" cy="954300"/>
           </a:xfrm>
           <a:prstGeom prst="rect">
             <a:avLst/>
@@ -2957,7 +2957,41 @@
                   <a:schemeClr val="bg1"/>
                 </a:solidFill>
               </a:rPr>
-              <a:t>Student names :Utkarsh khuspare</a:t>
+              <a:t>Student names :Utkarsh </a:t>
+            </a:r>
+            <a:r>
+              <a:rPr lang="en-US" dirty="0" err="1">
+                <a:solidFill>
+                  <a:schemeClr val="bg1"/>
+                </a:solidFill>
+              </a:rPr>
+              <a:t>khuspare</a:t>
+            </a:r>
+            <a:r>
+              <a:rPr lang="en-US">
+                <a:solidFill>
+                  <a:schemeClr val="bg1"/>
+                </a:solidFill>
+              </a:rPr>
+              <a:t>, Praveg </a:t>
+            </a:r>
+            <a:r>
+              <a:rPr lang="en-US" dirty="0">
+                <a:solidFill>
+                  <a:schemeClr val="bg1"/>
+                </a:solidFill>
+              </a:rPr>
+              <a:t>Chikte,</a:t>
+            </a:r>
+          </a:p>
+          <a:p>
+            <a:r>
+              <a:rPr lang="en-US" dirty="0">
+                <a:solidFill>
+                  <a:schemeClr val="bg1"/>
+                </a:solidFill>
+              </a:rPr>
+              <a:t>		Aryan Raut</a:t>
             </a:r>
             <a:endParaRPr lang="en-IN" dirty="0">
               <a:solidFill>
